--- a/Egyetem.pptx
+++ b/Egyetem.pptx
@@ -5532,7 +5532,7 @@
           <a:p>
             <a:fld id="{2D658BBC-03C4-4CA4-B06B-3074ED0EDD0E}" type="datetimeFigureOut">
               <a:rPr lang="hu-HU" smtClean="0"/>
-              <a:t>2023. 03. 12.</a:t>
+              <a:t>2023. 03. 13.</a:t>
             </a:fld>
             <a:endParaRPr lang="hu-HU"/>
           </a:p>
@@ -5730,7 +5730,7 @@
           <a:p>
             <a:fld id="{2D658BBC-03C4-4CA4-B06B-3074ED0EDD0E}" type="datetimeFigureOut">
               <a:rPr lang="hu-HU" smtClean="0"/>
-              <a:t>2023. 03. 12.</a:t>
+              <a:t>2023. 03. 13.</a:t>
             </a:fld>
             <a:endParaRPr lang="hu-HU"/>
           </a:p>
@@ -5938,7 +5938,7 @@
           <a:p>
             <a:fld id="{2D658BBC-03C4-4CA4-B06B-3074ED0EDD0E}" type="datetimeFigureOut">
               <a:rPr lang="hu-HU" smtClean="0"/>
-              <a:t>2023. 03. 12.</a:t>
+              <a:t>2023. 03. 13.</a:t>
             </a:fld>
             <a:endParaRPr lang="hu-HU"/>
           </a:p>
@@ -6136,7 +6136,7 @@
           <a:p>
             <a:fld id="{2D658BBC-03C4-4CA4-B06B-3074ED0EDD0E}" type="datetimeFigureOut">
               <a:rPr lang="hu-HU" smtClean="0"/>
-              <a:t>2023. 03. 12.</a:t>
+              <a:t>2023. 03. 13.</a:t>
             </a:fld>
             <a:endParaRPr lang="hu-HU"/>
           </a:p>
@@ -6411,7 +6411,7 @@
           <a:p>
             <a:fld id="{2D658BBC-03C4-4CA4-B06B-3074ED0EDD0E}" type="datetimeFigureOut">
               <a:rPr lang="hu-HU" smtClean="0"/>
-              <a:t>2023. 03. 12.</a:t>
+              <a:t>2023. 03. 13.</a:t>
             </a:fld>
             <a:endParaRPr lang="hu-HU"/>
           </a:p>
@@ -6676,7 +6676,7 @@
           <a:p>
             <a:fld id="{2D658BBC-03C4-4CA4-B06B-3074ED0EDD0E}" type="datetimeFigureOut">
               <a:rPr lang="hu-HU" smtClean="0"/>
-              <a:t>2023. 03. 12.</a:t>
+              <a:t>2023. 03. 13.</a:t>
             </a:fld>
             <a:endParaRPr lang="hu-HU"/>
           </a:p>
@@ -7088,7 +7088,7 @@
           <a:p>
             <a:fld id="{2D658BBC-03C4-4CA4-B06B-3074ED0EDD0E}" type="datetimeFigureOut">
               <a:rPr lang="hu-HU" smtClean="0"/>
-              <a:t>2023. 03. 12.</a:t>
+              <a:t>2023. 03. 13.</a:t>
             </a:fld>
             <a:endParaRPr lang="hu-HU"/>
           </a:p>
@@ -7229,7 +7229,7 @@
           <a:p>
             <a:fld id="{2D658BBC-03C4-4CA4-B06B-3074ED0EDD0E}" type="datetimeFigureOut">
               <a:rPr lang="hu-HU" smtClean="0"/>
-              <a:t>2023. 03. 12.</a:t>
+              <a:t>2023. 03. 13.</a:t>
             </a:fld>
             <a:endParaRPr lang="hu-HU"/>
           </a:p>
@@ -7342,7 +7342,7 @@
           <a:p>
             <a:fld id="{2D658BBC-03C4-4CA4-B06B-3074ED0EDD0E}" type="datetimeFigureOut">
               <a:rPr lang="hu-HU" smtClean="0"/>
-              <a:t>2023. 03. 12.</a:t>
+              <a:t>2023. 03. 13.</a:t>
             </a:fld>
             <a:endParaRPr lang="hu-HU"/>
           </a:p>
@@ -7653,7 +7653,7 @@
           <a:p>
             <a:fld id="{2D658BBC-03C4-4CA4-B06B-3074ED0EDD0E}" type="datetimeFigureOut">
               <a:rPr lang="hu-HU" smtClean="0"/>
-              <a:t>2023. 03. 12.</a:t>
+              <a:t>2023. 03. 13.</a:t>
             </a:fld>
             <a:endParaRPr lang="hu-HU"/>
           </a:p>
@@ -7941,7 +7941,7 @@
           <a:p>
             <a:fld id="{2D658BBC-03C4-4CA4-B06B-3074ED0EDD0E}" type="datetimeFigureOut">
               <a:rPr lang="hu-HU" smtClean="0"/>
-              <a:t>2023. 03. 12.</a:t>
+              <a:t>2023. 03. 13.</a:t>
             </a:fld>
             <a:endParaRPr lang="hu-HU"/>
           </a:p>
@@ -8182,7 +8182,7 @@
           <a:p>
             <a:fld id="{2D658BBC-03C4-4CA4-B06B-3074ED0EDD0E}" type="datetimeFigureOut">
               <a:rPr lang="hu-HU" smtClean="0"/>
-              <a:t>2023. 03. 12.</a:t>
+              <a:t>2023. 03. 13.</a:t>
             </a:fld>
             <a:endParaRPr lang="hu-HU"/>
           </a:p>
@@ -13595,7 +13595,7 @@
                 </a:solidFill>
                 <a:latin typeface="arial" panose="020B0604020202020204" pitchFamily="34" charset="0"/>
               </a:rPr>
-              <a:t>3. </a:t>
+              <a:t>4. </a:t>
             </a:r>
             <a:r>
               <a:rPr lang="hu-HU" dirty="0">
@@ -13676,6 +13676,407 @@
   <p:clrMapOvr>
     <a:masterClrMapping/>
   </p:clrMapOvr>
+  <p:timing>
+    <p:tnLst>
+      <p:par>
+        <p:cTn id="1" dur="indefinite" restart="never" nodeType="tmRoot">
+          <p:childTnLst>
+            <p:seq concurrent="1" nextAc="seek">
+              <p:cTn id="2" dur="indefinite" nodeType="mainSeq">
+                <p:childTnLst>
+                  <p:par>
+                    <p:cTn id="3" fill="hold">
+                      <p:stCondLst>
+                        <p:cond delay="indefinite"/>
+                      </p:stCondLst>
+                      <p:childTnLst>
+                        <p:par>
+                          <p:cTn id="4" fill="hold">
+                            <p:stCondLst>
+                              <p:cond delay="0"/>
+                            </p:stCondLst>
+                            <p:childTnLst>
+                              <p:par>
+                                <p:cTn id="5" presetID="1" presetClass="entr" presetSubtype="0" fill="hold" grpId="0" nodeType="clickEffect">
+                                  <p:stCondLst>
+                                    <p:cond delay="0"/>
+                                  </p:stCondLst>
+                                  <p:childTnLst>
+                                    <p:set>
+                                      <p:cBhvr>
+                                        <p:cTn id="6" dur="1" fill="hold">
+                                          <p:stCondLst>
+                                            <p:cond delay="0"/>
+                                          </p:stCondLst>
+                                        </p:cTn>
+                                        <p:tgtEl>
+                                          <p:spTgt spid="4"/>
+                                        </p:tgtEl>
+                                        <p:attrNameLst>
+                                          <p:attrName>style.visibility</p:attrName>
+                                        </p:attrNameLst>
+                                      </p:cBhvr>
+                                      <p:to>
+                                        <p:strVal val="visible"/>
+                                      </p:to>
+                                    </p:set>
+                                  </p:childTnLst>
+                                </p:cTn>
+                              </p:par>
+                            </p:childTnLst>
+                          </p:cTn>
+                        </p:par>
+                      </p:childTnLst>
+                    </p:cTn>
+                  </p:par>
+                  <p:par>
+                    <p:cTn id="7" fill="hold">
+                      <p:stCondLst>
+                        <p:cond delay="indefinite"/>
+                      </p:stCondLst>
+                      <p:childTnLst>
+                        <p:par>
+                          <p:cTn id="8" fill="hold">
+                            <p:stCondLst>
+                              <p:cond delay="0"/>
+                            </p:stCondLst>
+                            <p:childTnLst>
+                              <p:par>
+                                <p:cTn id="9" presetID="1" presetClass="entr" presetSubtype="0" fill="hold" nodeType="clickEffect">
+                                  <p:stCondLst>
+                                    <p:cond delay="0"/>
+                                  </p:stCondLst>
+                                  <p:childTnLst>
+                                    <p:set>
+                                      <p:cBhvr>
+                                        <p:cTn id="10" dur="1" fill="hold">
+                                          <p:stCondLst>
+                                            <p:cond delay="0"/>
+                                          </p:stCondLst>
+                                        </p:cTn>
+                                        <p:tgtEl>
+                                          <p:spTgt spid="8"/>
+                                        </p:tgtEl>
+                                        <p:attrNameLst>
+                                          <p:attrName>style.visibility</p:attrName>
+                                        </p:attrNameLst>
+                                      </p:cBhvr>
+                                      <p:to>
+                                        <p:strVal val="visible"/>
+                                      </p:to>
+                                    </p:set>
+                                  </p:childTnLst>
+                                </p:cTn>
+                              </p:par>
+                            </p:childTnLst>
+                          </p:cTn>
+                        </p:par>
+                      </p:childTnLst>
+                    </p:cTn>
+                  </p:par>
+                  <p:par>
+                    <p:cTn id="11" fill="hold">
+                      <p:stCondLst>
+                        <p:cond delay="indefinite"/>
+                      </p:stCondLst>
+                      <p:childTnLst>
+                        <p:par>
+                          <p:cTn id="12" fill="hold">
+                            <p:stCondLst>
+                              <p:cond delay="0"/>
+                            </p:stCondLst>
+                            <p:childTnLst>
+                              <p:par>
+                                <p:cTn id="13" presetID="1" presetClass="entr" presetSubtype="0" fill="hold" grpId="0" nodeType="clickEffect">
+                                  <p:stCondLst>
+                                    <p:cond delay="0"/>
+                                  </p:stCondLst>
+                                  <p:childTnLst>
+                                    <p:set>
+                                      <p:cBhvr>
+                                        <p:cTn id="14" dur="1" fill="hold">
+                                          <p:stCondLst>
+                                            <p:cond delay="0"/>
+                                          </p:stCondLst>
+                                        </p:cTn>
+                                        <p:tgtEl>
+                                          <p:spTgt spid="5"/>
+                                        </p:tgtEl>
+                                        <p:attrNameLst>
+                                          <p:attrName>style.visibility</p:attrName>
+                                        </p:attrNameLst>
+                                      </p:cBhvr>
+                                      <p:to>
+                                        <p:strVal val="visible"/>
+                                      </p:to>
+                                    </p:set>
+                                  </p:childTnLst>
+                                </p:cTn>
+                              </p:par>
+                              <p:par>
+                                <p:cTn id="15" presetID="1" presetClass="entr" presetSubtype="0" fill="hold" grpId="0" nodeType="withEffect">
+                                  <p:stCondLst>
+                                    <p:cond delay="0"/>
+                                  </p:stCondLst>
+                                  <p:childTnLst>
+                                    <p:set>
+                                      <p:cBhvr>
+                                        <p:cTn id="16" dur="1" fill="hold">
+                                          <p:stCondLst>
+                                            <p:cond delay="0"/>
+                                          </p:stCondLst>
+                                        </p:cTn>
+                                        <p:tgtEl>
+                                          <p:spTgt spid="7"/>
+                                        </p:tgtEl>
+                                        <p:attrNameLst>
+                                          <p:attrName>style.visibility</p:attrName>
+                                        </p:attrNameLst>
+                                      </p:cBhvr>
+                                      <p:to>
+                                        <p:strVal val="visible"/>
+                                      </p:to>
+                                    </p:set>
+                                  </p:childTnLst>
+                                </p:cTn>
+                              </p:par>
+                              <p:par>
+                                <p:cTn id="17" presetID="1" presetClass="entr" presetSubtype="0" fill="hold" grpId="0" nodeType="withEffect">
+                                  <p:stCondLst>
+                                    <p:cond delay="0"/>
+                                  </p:stCondLst>
+                                  <p:childTnLst>
+                                    <p:set>
+                                      <p:cBhvr>
+                                        <p:cTn id="18" dur="1" fill="hold">
+                                          <p:stCondLst>
+                                            <p:cond delay="0"/>
+                                          </p:stCondLst>
+                                        </p:cTn>
+                                        <p:tgtEl>
+                                          <p:spTgt spid="6"/>
+                                        </p:tgtEl>
+                                        <p:attrNameLst>
+                                          <p:attrName>style.visibility</p:attrName>
+                                        </p:attrNameLst>
+                                      </p:cBhvr>
+                                      <p:to>
+                                        <p:strVal val="visible"/>
+                                      </p:to>
+                                    </p:set>
+                                  </p:childTnLst>
+                                </p:cTn>
+                              </p:par>
+                              <p:par>
+                                <p:cTn id="19" presetID="1" presetClass="entr" presetSubtype="0" fill="hold" grpId="0" nodeType="withEffect">
+                                  <p:stCondLst>
+                                    <p:cond delay="0"/>
+                                  </p:stCondLst>
+                                  <p:childTnLst>
+                                    <p:set>
+                                      <p:cBhvr>
+                                        <p:cTn id="20" dur="1" fill="hold">
+                                          <p:stCondLst>
+                                            <p:cond delay="0"/>
+                                          </p:stCondLst>
+                                        </p:cTn>
+                                        <p:tgtEl>
+                                          <p:spTgt spid="9"/>
+                                        </p:tgtEl>
+                                        <p:attrNameLst>
+                                          <p:attrName>style.visibility</p:attrName>
+                                        </p:attrNameLst>
+                                      </p:cBhvr>
+                                      <p:to>
+                                        <p:strVal val="visible"/>
+                                      </p:to>
+                                    </p:set>
+                                  </p:childTnLst>
+                                </p:cTn>
+                              </p:par>
+                            </p:childTnLst>
+                          </p:cTn>
+                        </p:par>
+                      </p:childTnLst>
+                    </p:cTn>
+                  </p:par>
+                  <p:par>
+                    <p:cTn id="21" fill="hold">
+                      <p:stCondLst>
+                        <p:cond delay="indefinite"/>
+                      </p:stCondLst>
+                      <p:childTnLst>
+                        <p:par>
+                          <p:cTn id="22" fill="hold">
+                            <p:stCondLst>
+                              <p:cond delay="0"/>
+                            </p:stCondLst>
+                            <p:childTnLst>
+                              <p:par>
+                                <p:cTn id="23" presetID="1" presetClass="entr" presetSubtype="0" fill="hold" grpId="0" nodeType="clickEffect">
+                                  <p:stCondLst>
+                                    <p:cond delay="0"/>
+                                  </p:stCondLst>
+                                  <p:childTnLst>
+                                    <p:set>
+                                      <p:cBhvr>
+                                        <p:cTn id="24" dur="1" fill="hold">
+                                          <p:stCondLst>
+                                            <p:cond delay="0"/>
+                                          </p:stCondLst>
+                                        </p:cTn>
+                                        <p:tgtEl>
+                                          <p:spTgt spid="11"/>
+                                        </p:tgtEl>
+                                        <p:attrNameLst>
+                                          <p:attrName>style.visibility</p:attrName>
+                                        </p:attrNameLst>
+                                      </p:cBhvr>
+                                      <p:to>
+                                        <p:strVal val="visible"/>
+                                      </p:to>
+                                    </p:set>
+                                  </p:childTnLst>
+                                </p:cTn>
+                              </p:par>
+                              <p:par>
+                                <p:cTn id="25" presetID="1" presetClass="entr" presetSubtype="0" fill="hold" grpId="0" nodeType="withEffect">
+                                  <p:stCondLst>
+                                    <p:cond delay="0"/>
+                                  </p:stCondLst>
+                                  <p:childTnLst>
+                                    <p:set>
+                                      <p:cBhvr>
+                                        <p:cTn id="26" dur="1" fill="hold">
+                                          <p:stCondLst>
+                                            <p:cond delay="0"/>
+                                          </p:stCondLst>
+                                        </p:cTn>
+                                        <p:tgtEl>
+                                          <p:spTgt spid="10"/>
+                                        </p:tgtEl>
+                                        <p:attrNameLst>
+                                          <p:attrName>style.visibility</p:attrName>
+                                        </p:attrNameLst>
+                                      </p:cBhvr>
+                                      <p:to>
+                                        <p:strVal val="visible"/>
+                                      </p:to>
+                                    </p:set>
+                                  </p:childTnLst>
+                                </p:cTn>
+                              </p:par>
+                            </p:childTnLst>
+                          </p:cTn>
+                        </p:par>
+                      </p:childTnLst>
+                    </p:cTn>
+                  </p:par>
+                  <p:par>
+                    <p:cTn id="27" fill="hold">
+                      <p:stCondLst>
+                        <p:cond delay="indefinite"/>
+                      </p:stCondLst>
+                      <p:childTnLst>
+                        <p:par>
+                          <p:cTn id="28" fill="hold">
+                            <p:stCondLst>
+                              <p:cond delay="0"/>
+                            </p:stCondLst>
+                            <p:childTnLst>
+                              <p:par>
+                                <p:cTn id="29" presetID="1" presetClass="entr" presetSubtype="0" fill="hold" grpId="0" nodeType="clickEffect">
+                                  <p:stCondLst>
+                                    <p:cond delay="0"/>
+                                  </p:stCondLst>
+                                  <p:childTnLst>
+                                    <p:set>
+                                      <p:cBhvr>
+                                        <p:cTn id="30" dur="1" fill="hold">
+                                          <p:stCondLst>
+                                            <p:cond delay="0"/>
+                                          </p:stCondLst>
+                                        </p:cTn>
+                                        <p:tgtEl>
+                                          <p:spTgt spid="12"/>
+                                        </p:tgtEl>
+                                        <p:attrNameLst>
+                                          <p:attrName>style.visibility</p:attrName>
+                                        </p:attrNameLst>
+                                      </p:cBhvr>
+                                      <p:to>
+                                        <p:strVal val="visible"/>
+                                      </p:to>
+                                    </p:set>
+                                  </p:childTnLst>
+                                </p:cTn>
+                              </p:par>
+                              <p:par>
+                                <p:cTn id="31" presetID="1" presetClass="entr" presetSubtype="0" fill="hold" grpId="0" nodeType="withEffect">
+                                  <p:stCondLst>
+                                    <p:cond delay="0"/>
+                                  </p:stCondLst>
+                                  <p:childTnLst>
+                                    <p:set>
+                                      <p:cBhvr>
+                                        <p:cTn id="32" dur="1" fill="hold">
+                                          <p:stCondLst>
+                                            <p:cond delay="0"/>
+                                          </p:stCondLst>
+                                        </p:cTn>
+                                        <p:tgtEl>
+                                          <p:spTgt spid="13"/>
+                                        </p:tgtEl>
+                                        <p:attrNameLst>
+                                          <p:attrName>style.visibility</p:attrName>
+                                        </p:attrNameLst>
+                                      </p:cBhvr>
+                                      <p:to>
+                                        <p:strVal val="visible"/>
+                                      </p:to>
+                                    </p:set>
+                                  </p:childTnLst>
+                                </p:cTn>
+                              </p:par>
+                            </p:childTnLst>
+                          </p:cTn>
+                        </p:par>
+                      </p:childTnLst>
+                    </p:cTn>
+                  </p:par>
+                </p:childTnLst>
+              </p:cTn>
+              <p:prevCondLst>
+                <p:cond evt="onPrev" delay="0">
+                  <p:tgtEl>
+                    <p:sldTgt/>
+                  </p:tgtEl>
+                </p:cond>
+              </p:prevCondLst>
+              <p:nextCondLst>
+                <p:cond evt="onNext" delay="0">
+                  <p:tgtEl>
+                    <p:sldTgt/>
+                  </p:tgtEl>
+                </p:cond>
+              </p:nextCondLst>
+            </p:seq>
+          </p:childTnLst>
+        </p:cTn>
+      </p:par>
+    </p:tnLst>
+    <p:bldLst>
+      <p:bldP spid="4" grpId="0"/>
+      <p:bldP spid="5" grpId="0"/>
+      <p:bldP spid="6" grpId="0" animBg="1"/>
+      <p:bldP spid="7" grpId="0"/>
+      <p:bldP spid="9" grpId="0" animBg="1"/>
+      <p:bldP spid="10" grpId="0" animBg="1"/>
+      <p:bldP spid="11" grpId="0"/>
+      <p:bldP spid="12" grpId="0"/>
+      <p:bldP spid="13" grpId="0" animBg="1"/>
+    </p:bldLst>
+  </p:timing>
 </p:sld>
 </file>
 
@@ -15804,6 +16205,15 @@
 </file>
 
 <file path=customXml/item1.xml><?xml version="1.0" encoding="utf-8"?>
+<?mso-contentType ?>
+<FormTemplates xmlns="http://schemas.microsoft.com/sharepoint/v3/contenttype/forms">
+  <Display>DocumentLibraryForm</Display>
+  <Edit>DocumentLibraryForm</Edit>
+  <New>DocumentLibraryForm</New>
+</FormTemplates>
+</file>
+
+<file path=customXml/item2.xml><?xml version="1.0" encoding="utf-8"?>
 <ct:contentTypeSchema xmlns:ct="http://schemas.microsoft.com/office/2006/metadata/contentType" xmlns:ma="http://schemas.microsoft.com/office/2006/metadata/properties/metaAttributes" ct:_="" ma:_="" ma:contentTypeName="Dokumentum" ma:contentTypeID="0x01010023F5B51375CA5F48927837B7C846372A" ma:contentTypeVersion="8" ma:contentTypeDescription="Új dokumentum létrehozása." ma:contentTypeScope="" ma:versionID="6c3f9e4c22396106b63fdd5167e57270">
   <xsd:schema xmlns:xsd="http://www.w3.org/2001/XMLSchema" xmlns:xs="http://www.w3.org/2001/XMLSchema" xmlns:p="http://schemas.microsoft.com/office/2006/metadata/properties" xmlns:ns3="5d86d87e-4eda-498c-af70-6f2a616ddbb6" targetNamespace="http://schemas.microsoft.com/office/2006/metadata/properties" ma:root="true" ma:fieldsID="9a0a2d56a93a5fad7694913372ccefbe" ns3:_="">
     <xsd:import namespace="5d86d87e-4eda-498c-af70-6f2a616ddbb6"/>
@@ -15975,15 +16385,6 @@
 </ct:contentTypeSchema>
 </file>
 
-<file path=customXml/item2.xml><?xml version="1.0" encoding="utf-8"?>
-<?mso-contentType ?>
-<FormTemplates xmlns="http://schemas.microsoft.com/sharepoint/v3/contenttype/forms">
-  <Display>DocumentLibraryForm</Display>
-  <Edit>DocumentLibraryForm</Edit>
-  <New>DocumentLibraryForm</New>
-</FormTemplates>
-</file>
-
 <file path=customXml/item3.xml><?xml version="1.0" encoding="utf-8"?>
 <p:properties xmlns:p="http://schemas.microsoft.com/office/2006/metadata/properties" xmlns:xsi="http://www.w3.org/2001/XMLSchema-instance" xmlns:pc="http://schemas.microsoft.com/office/infopath/2007/PartnerControls">
   <documentManagement/>
@@ -15991,6 +16392,14 @@
 </file>
 
 <file path=customXml/itemProps1.xml><?xml version="1.0" encoding="utf-8"?>
+<ds:datastoreItem xmlns:ds="http://schemas.openxmlformats.org/officeDocument/2006/customXml" ds:itemID="{F00A2544-E6A1-4842-8B9A-95F7D55E953A}">
+  <ds:schemaRefs>
+    <ds:schemaRef ds:uri="http://schemas.microsoft.com/sharepoint/v3/contenttype/forms"/>
+  </ds:schemaRefs>
+</ds:datastoreItem>
+</file>
+
+<file path=customXml/itemProps2.xml><?xml version="1.0" encoding="utf-8"?>
 <ds:datastoreItem xmlns:ds="http://schemas.openxmlformats.org/officeDocument/2006/customXml" ds:itemID="{BF6DC930-77A9-4A1A-B715-69F27ADC484E}">
   <ds:schemaRefs>
     <ds:schemaRef ds:uri="http://schemas.microsoft.com/office/2006/metadata/contentType"/>
@@ -16008,26 +16417,18 @@
 </ds:datastoreItem>
 </file>
 
-<file path=customXml/itemProps2.xml><?xml version="1.0" encoding="utf-8"?>
-<ds:datastoreItem xmlns:ds="http://schemas.openxmlformats.org/officeDocument/2006/customXml" ds:itemID="{F00A2544-E6A1-4842-8B9A-95F7D55E953A}">
-  <ds:schemaRefs>
-    <ds:schemaRef ds:uri="http://schemas.microsoft.com/sharepoint/v3/contenttype/forms"/>
-  </ds:schemaRefs>
-</ds:datastoreItem>
-</file>
-
 <file path=customXml/itemProps3.xml><?xml version="1.0" encoding="utf-8"?>
 <ds:datastoreItem xmlns:ds="http://schemas.openxmlformats.org/officeDocument/2006/customXml" ds:itemID="{AD7839BB-2899-4670-A983-0A859A0DC395}">
   <ds:schemaRefs>
+    <ds:schemaRef ds:uri="http://schemas.microsoft.com/office/2006/documentManagement/types"/>
+    <ds:schemaRef ds:uri="5d86d87e-4eda-498c-af70-6f2a616ddbb6"/>
+    <ds:schemaRef ds:uri="http://purl.org/dc/terms/"/>
+    <ds:schemaRef ds:uri="http://schemas.microsoft.com/office/2006/metadata/properties"/>
+    <ds:schemaRef ds:uri="http://purl.org/dc/elements/1.1/"/>
+    <ds:schemaRef ds:uri="http://www.w3.org/XML/1998/namespace"/>
+    <ds:schemaRef ds:uri="http://purl.org/dc/dcmitype/"/>
     <ds:schemaRef ds:uri="http://schemas.openxmlformats.org/package/2006/metadata/core-properties"/>
-    <ds:schemaRef ds:uri="http://purl.org/dc/elements/1.1/"/>
     <ds:schemaRef ds:uri="http://schemas.microsoft.com/office/infopath/2007/PartnerControls"/>
-    <ds:schemaRef ds:uri="http://purl.org/dc/terms/"/>
-    <ds:schemaRef ds:uri="http://schemas.microsoft.com/office/2006/documentManagement/types"/>
-    <ds:schemaRef ds:uri="http://www.w3.org/XML/1998/namespace"/>
-    <ds:schemaRef ds:uri="http://schemas.microsoft.com/office/2006/metadata/properties"/>
-    <ds:schemaRef ds:uri="5d86d87e-4eda-498c-af70-6f2a616ddbb6"/>
-    <ds:schemaRef ds:uri="http://purl.org/dc/dcmitype/"/>
   </ds:schemaRefs>
 </ds:datastoreItem>
 </file>